--- a/docs/1071_datascience_FP_107753002.pptx
+++ b/docs/1071_datascience_FP_107753002.pptx
@@ -231,7 +231,7 @@
           <a:p>
             <a:fld id="{F230B171-5580-4B96-B81C-C677B610FF7F}" type="datetimeFigureOut">
               <a:rPr lang="zh-TW" altLang="en-US" smtClean="0"/>
-              <a:t>2019/1/14</a:t>
+              <a:t>2019/1/15</a:t>
             </a:fld>
             <a:endParaRPr lang="zh-TW" altLang="en-US"/>
           </a:p>
@@ -986,7 +986,7 @@
           <a:p>
             <a:fld id="{58FFF9D0-9106-4992-8BDF-0A105BA863E3}" type="datetime1">
               <a:rPr lang="zh-TW" altLang="en-US" smtClean="0"/>
-              <a:t>2019/1/14</a:t>
+              <a:t>2019/1/15</a:t>
             </a:fld>
             <a:endParaRPr lang="zh-TW" altLang="en-US"/>
           </a:p>
@@ -1165,7 +1165,7 @@
           <a:p>
             <a:fld id="{46AAE0CF-FF0E-465B-95C3-611F14D702FD}" type="datetime1">
               <a:rPr lang="zh-TW" altLang="en-US" smtClean="0"/>
-              <a:t>2019/1/14</a:t>
+              <a:t>2019/1/15</a:t>
             </a:fld>
             <a:endParaRPr lang="zh-TW" altLang="en-US"/>
           </a:p>
@@ -1345,7 +1345,7 @@
           <a:p>
             <a:fld id="{0F32234D-10CB-41BD-AAD3-8D3623475E11}" type="datetime1">
               <a:rPr lang="zh-TW" altLang="en-US" smtClean="0"/>
-              <a:t>2019/1/14</a:t>
+              <a:t>2019/1/15</a:t>
             </a:fld>
             <a:endParaRPr lang="zh-TW" altLang="en-US"/>
           </a:p>
@@ -1515,7 +1515,7 @@
           <a:p>
             <a:fld id="{3FE8598C-F7A5-4B6F-867D-DC8812992033}" type="datetime1">
               <a:rPr lang="zh-TW" altLang="en-US" smtClean="0"/>
-              <a:t>2019/1/14</a:t>
+              <a:t>2019/1/15</a:t>
             </a:fld>
             <a:endParaRPr lang="zh-TW" altLang="en-US"/>
           </a:p>
@@ -1828,7 +1828,7 @@
           <a:p>
             <a:fld id="{A3FD7C0F-9A56-4BD3-A190-FCA283A419C1}" type="datetime1">
               <a:rPr lang="zh-TW" altLang="en-US" smtClean="0"/>
-              <a:t>2019/1/14</a:t>
+              <a:t>2019/1/15</a:t>
             </a:fld>
             <a:endParaRPr lang="zh-TW" altLang="en-US"/>
           </a:p>
@@ -2214,7 +2214,7 @@
           <a:p>
             <a:fld id="{7E5FA573-3843-40FA-8309-3267C7378343}" type="datetime1">
               <a:rPr lang="zh-TW" altLang="en-US" smtClean="0"/>
-              <a:t>2019/1/14</a:t>
+              <a:t>2019/1/15</a:t>
             </a:fld>
             <a:endParaRPr lang="zh-TW" altLang="en-US"/>
           </a:p>
@@ -2648,7 +2648,7 @@
           <a:p>
             <a:fld id="{6AC6C056-3A0B-4D75-A68E-1AE22ADBFB53}" type="datetime1">
               <a:rPr lang="zh-TW" altLang="en-US" smtClean="0"/>
-              <a:t>2019/1/14</a:t>
+              <a:t>2019/1/15</a:t>
             </a:fld>
             <a:endParaRPr lang="zh-TW" altLang="en-US"/>
           </a:p>
@@ -2766,7 +2766,7 @@
           <a:p>
             <a:fld id="{3E58C208-EAC8-45C9-B012-056D84CE2F37}" type="datetime1">
               <a:rPr lang="zh-TW" altLang="en-US" smtClean="0"/>
-              <a:t>2019/1/14</a:t>
+              <a:t>2019/1/15</a:t>
             </a:fld>
             <a:endParaRPr lang="zh-TW" altLang="en-US"/>
           </a:p>
@@ -2861,7 +2861,7 @@
           <a:p>
             <a:fld id="{D20A25A3-7B2B-4705-9286-1A3E9DDD641E}" type="datetime1">
               <a:rPr lang="zh-TW" altLang="en-US" smtClean="0"/>
-              <a:t>2019/1/14</a:t>
+              <a:t>2019/1/15</a:t>
             </a:fld>
             <a:endParaRPr lang="zh-TW" altLang="en-US"/>
           </a:p>
@@ -3211,7 +3211,7 @@
           <a:p>
             <a:fld id="{C30D15BF-4444-4213-B2C0-25745B2A2C9B}" type="datetime1">
               <a:rPr lang="zh-TW" altLang="en-US" smtClean="0"/>
-              <a:t>2019/1/14</a:t>
+              <a:t>2019/1/15</a:t>
             </a:fld>
             <a:endParaRPr lang="zh-TW" altLang="en-US"/>
           </a:p>
@@ -3636,7 +3636,7 @@
           <a:p>
             <a:fld id="{CB557491-7176-40CC-8B7F-49B79A08BD27}" type="datetime1">
               <a:rPr lang="zh-TW" altLang="en-US" smtClean="0"/>
-              <a:t>2019/1/14</a:t>
+              <a:t>2019/1/15</a:t>
             </a:fld>
             <a:endParaRPr lang="zh-TW" altLang="en-US"/>
           </a:p>
@@ -3917,7 +3917,7 @@
           <a:p>
             <a:fld id="{4AADE12A-669E-4774-ACF8-7074AEDD1280}" type="datetime1">
               <a:rPr lang="zh-TW" altLang="en-US" smtClean="0"/>
-              <a:t>2019/1/14</a:t>
+              <a:t>2019/1/15</a:t>
             </a:fld>
             <a:endParaRPr lang="zh-TW" altLang="en-US"/>
           </a:p>
@@ -8718,11 +8718,7 @@
           <a:p>
             <a:r>
               <a:rPr lang="en-US" altLang="zh-TW" dirty="0" smtClean="0"/>
-              <a:t>Use </a:t>
-            </a:r>
-            <a:r>
-              <a:rPr lang="en-US" altLang="zh-TW" dirty="0" smtClean="0"/>
-              <a:t>N-fold Cross </a:t>
+              <a:t>Use N-fold Cross </a:t>
             </a:r>
             <a:r>
               <a:rPr lang="en-US" altLang="zh-TW" dirty="0"/>
@@ -8798,11 +8794,7 @@
             </a:r>
             <a:r>
               <a:rPr lang="en-US" altLang="zh-TW" dirty="0" smtClean="0"/>
-              <a:t> to tune model </a:t>
-            </a:r>
-            <a:r>
-              <a:rPr lang="en-US" altLang="zh-TW" dirty="0" smtClean="0"/>
-              <a:t>parameter</a:t>
+              <a:t> to tune model parameter</a:t>
             </a:r>
           </a:p>
           <a:p>
@@ -9019,7 +9011,7 @@
         <p:spPr>
           <a:xfrm>
             <a:off x="1069848" y="2121408"/>
-            <a:ext cx="10058400" cy="4050792"/>
+            <a:ext cx="4866107" cy="4050792"/>
           </a:xfrm>
         </p:spPr>
         <p:txBody>
@@ -9056,15 +9048,7 @@
             <a:pPr lvl="2"/>
             <a:r>
               <a:rPr lang="en-US" altLang="zh-TW" dirty="0" smtClean="0"/>
-              <a:t>Testing </a:t>
-            </a:r>
-            <a:r>
-              <a:rPr lang="en-US" altLang="zh-TW" dirty="0" smtClean="0"/>
-              <a:t>AUC of submission: </a:t>
-            </a:r>
-            <a:r>
-              <a:rPr lang="en-US" altLang="zh-TW" dirty="0" smtClean="0"/>
-              <a:t>0.60</a:t>
+              <a:t>Testing AUC of submission: 0.60</a:t>
             </a:r>
             <a:endParaRPr lang="en-US" altLang="zh-TW" dirty="0"/>
           </a:p>
@@ -9102,15 +9086,29 @@
           <a:p>
             <a:r>
               <a:rPr lang="en-US" altLang="zh-TW" dirty="0" smtClean="0"/>
-              <a:t>Final </a:t>
-            </a:r>
-            <a:r>
-              <a:rPr lang="en-US" altLang="zh-TW" dirty="0" smtClean="0"/>
-              <a:t>Score of submission: </a:t>
-            </a:r>
-            <a:r>
-              <a:rPr lang="en-US" altLang="zh-TW" dirty="0" smtClean="0"/>
-              <a:t>AUC 0.61 </a:t>
+              <a:t>Final Score of submission: AUC </a:t>
+            </a:r>
+            <a:r>
+              <a:rPr lang="en-US" altLang="zh-TW" dirty="0" smtClean="0"/>
+              <a:t>0.61</a:t>
+            </a:r>
+          </a:p>
+          <a:p>
+            <a:r>
+              <a:rPr lang="en-US" altLang="zh-TW" dirty="0" smtClean="0"/>
+              <a:t>The reason why 10-fold cv is better than submission </a:t>
+            </a:r>
+            <a:r>
+              <a:rPr lang="en-US" altLang="zh-TW" dirty="0" smtClean="0"/>
+              <a:t> score is that wrong dataset merging, cause the training set </a:t>
+            </a:r>
+            <a:r>
+              <a:rPr lang="en-US" altLang="zh-TW" dirty="0" smtClean="0"/>
+              <a:t>even</a:t>
+            </a:r>
+            <a:r>
+              <a:rPr lang="en-US" altLang="zh-TW" dirty="0" smtClean="0"/>
+              <a:t> smaller than testing set.</a:t>
             </a:r>
             <a:endParaRPr lang="zh-TW" altLang="en-US" dirty="0"/>
           </a:p>
@@ -9248,7 +9246,6 @@
               <a:rPr lang="en-US" altLang="zh-TW" dirty="0" smtClean="0"/>
               <a:t>0.499735</a:t>
             </a:r>
-            <a:endParaRPr lang="en-US" altLang="zh-TW" dirty="0" smtClean="0"/>
           </a:p>
           <a:p>
             <a:r>
@@ -9275,7 +9272,19 @@
           <a:p>
             <a:r>
               <a:rPr lang="en-US" altLang="zh-TW" dirty="0"/>
-              <a:t>Model:</a:t>
+              <a:t>Model</a:t>
+            </a:r>
+            <a:r>
+              <a:rPr lang="en-US" altLang="zh-TW" dirty="0" smtClean="0"/>
+              <a:t>:</a:t>
+            </a:r>
+            <a:r>
+              <a:rPr lang="zh-TW" altLang="en-US" dirty="0" smtClean="0"/>
+              <a:t> </a:t>
+            </a:r>
+            <a:r>
+              <a:rPr lang="en-US" altLang="zh-TW" dirty="0"/>
+              <a:t>(add feature in previous page with blue font color)</a:t>
             </a:r>
           </a:p>
           <a:p>
